--- a/design/design.pptx
+++ b/design/design.pptx
@@ -6,6 +6,7 @@
   </p:sldMasterIdLst>
   <p:sldIdLst>
     <p:sldId id="256" r:id="rId2"/>
+    <p:sldId id="257" r:id="rId3"/>
   </p:sldIdLst>
   <p:sldSz cx="12192000" cy="6858000"/>
   <p:notesSz cx="6858000" cy="9144000"/>
@@ -104,6 +105,11 @@
       </a:defRPr>
     </a:lvl9pPr>
   </p:defaultTextStyle>
+  <p:extLst>
+    <p:ext uri="{EFAFB233-063F-42B5-8137-9DF3F51BA10A}">
+      <p15:sldGuideLst xmlns:p15="http://schemas.microsoft.com/office/powerpoint/2012/main"/>
+    </p:ext>
+  </p:extLst>
 </p:presentation>
 </file>
 
@@ -238,7 +244,7 @@
           <a:p>
             <a:fld id="{B14E520B-B880-4D02-A1E1-88309B8A9F46}" type="datetimeFigureOut">
               <a:rPr kumimoji="1" lang="ja-JP" altLang="en-US" smtClean="0"/>
-              <a:t>2018/11/11</a:t>
+              <a:t>2018/11/13</a:t>
             </a:fld>
             <a:endParaRPr kumimoji="1" lang="ja-JP" altLang="en-US"/>
           </a:p>
@@ -440,7 +446,7 @@
           <a:p>
             <a:fld id="{B14E520B-B880-4D02-A1E1-88309B8A9F46}" type="datetimeFigureOut">
               <a:rPr kumimoji="1" lang="ja-JP" altLang="en-US" smtClean="0"/>
-              <a:t>2018/11/11</a:t>
+              <a:t>2018/11/13</a:t>
             </a:fld>
             <a:endParaRPr kumimoji="1" lang="ja-JP" altLang="en-US"/>
           </a:p>
@@ -652,7 +658,7 @@
           <a:p>
             <a:fld id="{B14E520B-B880-4D02-A1E1-88309B8A9F46}" type="datetimeFigureOut">
               <a:rPr kumimoji="1" lang="ja-JP" altLang="en-US" smtClean="0"/>
-              <a:t>2018/11/11</a:t>
+              <a:t>2018/11/13</a:t>
             </a:fld>
             <a:endParaRPr kumimoji="1" lang="ja-JP" altLang="en-US"/>
           </a:p>
@@ -854,7 +860,7 @@
           <a:p>
             <a:fld id="{B14E520B-B880-4D02-A1E1-88309B8A9F46}" type="datetimeFigureOut">
               <a:rPr kumimoji="1" lang="ja-JP" altLang="en-US" smtClean="0"/>
-              <a:t>2018/11/11</a:t>
+              <a:t>2018/11/13</a:t>
             </a:fld>
             <a:endParaRPr kumimoji="1" lang="ja-JP" altLang="en-US"/>
           </a:p>
@@ -1100,7 +1106,7 @@
           <a:p>
             <a:fld id="{B14E520B-B880-4D02-A1E1-88309B8A9F46}" type="datetimeFigureOut">
               <a:rPr kumimoji="1" lang="ja-JP" altLang="en-US" smtClean="0"/>
-              <a:t>2018/11/11</a:t>
+              <a:t>2018/11/13</a:t>
             </a:fld>
             <a:endParaRPr kumimoji="1" lang="ja-JP" altLang="en-US"/>
           </a:p>
@@ -1396,7 +1402,7 @@
           <a:p>
             <a:fld id="{B14E520B-B880-4D02-A1E1-88309B8A9F46}" type="datetimeFigureOut">
               <a:rPr kumimoji="1" lang="ja-JP" altLang="en-US" smtClean="0"/>
-              <a:t>2018/11/11</a:t>
+              <a:t>2018/11/13</a:t>
             </a:fld>
             <a:endParaRPr kumimoji="1" lang="ja-JP" altLang="en-US"/>
           </a:p>
@@ -1827,7 +1833,7 @@
           <a:p>
             <a:fld id="{B14E520B-B880-4D02-A1E1-88309B8A9F46}" type="datetimeFigureOut">
               <a:rPr kumimoji="1" lang="ja-JP" altLang="en-US" smtClean="0"/>
-              <a:t>2018/11/11</a:t>
+              <a:t>2018/11/13</a:t>
             </a:fld>
             <a:endParaRPr kumimoji="1" lang="ja-JP" altLang="en-US"/>
           </a:p>
@@ -1945,7 +1951,7 @@
           <a:p>
             <a:fld id="{B14E520B-B880-4D02-A1E1-88309B8A9F46}" type="datetimeFigureOut">
               <a:rPr kumimoji="1" lang="ja-JP" altLang="en-US" smtClean="0"/>
-              <a:t>2018/11/11</a:t>
+              <a:t>2018/11/13</a:t>
             </a:fld>
             <a:endParaRPr kumimoji="1" lang="ja-JP" altLang="en-US"/>
           </a:p>
@@ -2040,7 +2046,7 @@
           <a:p>
             <a:fld id="{B14E520B-B880-4D02-A1E1-88309B8A9F46}" type="datetimeFigureOut">
               <a:rPr kumimoji="1" lang="ja-JP" altLang="en-US" smtClean="0"/>
-              <a:t>2018/11/11</a:t>
+              <a:t>2018/11/13</a:t>
             </a:fld>
             <a:endParaRPr kumimoji="1" lang="ja-JP" altLang="en-US"/>
           </a:p>
@@ -2349,7 +2355,7 @@
           <a:p>
             <a:fld id="{B14E520B-B880-4D02-A1E1-88309B8A9F46}" type="datetimeFigureOut">
               <a:rPr kumimoji="1" lang="ja-JP" altLang="en-US" smtClean="0"/>
-              <a:t>2018/11/11</a:t>
+              <a:t>2018/11/13</a:t>
             </a:fld>
             <a:endParaRPr kumimoji="1" lang="ja-JP" altLang="en-US"/>
           </a:p>
@@ -2602,7 +2608,7 @@
           <a:p>
             <a:fld id="{B14E520B-B880-4D02-A1E1-88309B8A9F46}" type="datetimeFigureOut">
               <a:rPr kumimoji="1" lang="ja-JP" altLang="en-US" smtClean="0"/>
-              <a:t>2018/11/11</a:t>
+              <a:t>2018/11/13</a:t>
             </a:fld>
             <a:endParaRPr kumimoji="1" lang="ja-JP" altLang="en-US"/>
           </a:p>
@@ -2847,7 +2853,7 @@
           <a:p>
             <a:fld id="{B14E520B-B880-4D02-A1E1-88309B8A9F46}" type="datetimeFigureOut">
               <a:rPr kumimoji="1" lang="ja-JP" altLang="en-US" smtClean="0"/>
-              <a:t>2018/11/11</a:t>
+              <a:t>2018/11/13</a:t>
             </a:fld>
             <a:endParaRPr kumimoji="1" lang="ja-JP" altLang="en-US"/>
           </a:p>
@@ -4790,6 +4796,1448 @@
 </p:sld>
 </file>
 
+<file path=ppt/slides/slide2.xml><?xml version="1.0" encoding="utf-8"?>
+<p:sld xmlns:a="http://schemas.openxmlformats.org/drawingml/2006/main" xmlns:r="http://schemas.openxmlformats.org/officeDocument/2006/relationships" xmlns:p="http://schemas.openxmlformats.org/presentationml/2006/main">
+  <p:cSld>
+    <p:spTree>
+      <p:nvGrpSpPr>
+        <p:cNvPr id="1" name=""/>
+        <p:cNvGrpSpPr/>
+        <p:nvPr/>
+      </p:nvGrpSpPr>
+      <p:grpSpPr>
+        <a:xfrm>
+          <a:off x="0" y="0"/>
+          <a:ext cx="0" cy="0"/>
+          <a:chOff x="0" y="0"/>
+          <a:chExt cx="0" cy="0"/>
+        </a:xfrm>
+      </p:grpSpPr>
+      <p:pic>
+        <p:nvPicPr>
+          <p:cNvPr id="4" name="図 3"/>
+          <p:cNvPicPr>
+            <a:picLocks noChangeAspect="1"/>
+          </p:cNvPicPr>
+          <p:nvPr/>
+        </p:nvPicPr>
+        <p:blipFill>
+          <a:blip r:embed="rId2">
+            <a:extLst>
+              <a:ext uri="{28A0092B-C50C-407E-A947-70E740481C1C}">
+                <a14:useLocalDpi xmlns:a14="http://schemas.microsoft.com/office/drawing/2010/main" val="0"/>
+              </a:ext>
+            </a:extLst>
+          </a:blip>
+          <a:stretch>
+            <a:fillRect/>
+          </a:stretch>
+        </p:blipFill>
+        <p:spPr>
+          <a:xfrm>
+            <a:off x="315725" y="74141"/>
+            <a:ext cx="10058400" cy="6628119"/>
+          </a:xfrm>
+          <a:prstGeom prst="rect">
+            <a:avLst/>
+          </a:prstGeom>
+        </p:spPr>
+      </p:pic>
+      <p:sp>
+        <p:nvSpPr>
+          <p:cNvPr id="68" name="正方形/長方形 67"/>
+          <p:cNvSpPr/>
+          <p:nvPr/>
+        </p:nvSpPr>
+        <p:spPr>
+          <a:xfrm>
+            <a:off x="2695575" y="1735554"/>
+            <a:ext cx="990600" cy="3419475"/>
+          </a:xfrm>
+          <a:prstGeom prst="rect">
+            <a:avLst/>
+          </a:prstGeom>
+          <a:solidFill>
+            <a:schemeClr val="bg1"/>
+          </a:solidFill>
+          <a:ln>
+            <a:noFill/>
+          </a:ln>
+        </p:spPr>
+        <p:style>
+          <a:lnRef idx="2">
+            <a:schemeClr val="accent1">
+              <a:shade val="50000"/>
+            </a:schemeClr>
+          </a:lnRef>
+          <a:fillRef idx="1">
+            <a:schemeClr val="accent1"/>
+          </a:fillRef>
+          <a:effectRef idx="0">
+            <a:schemeClr val="accent1"/>
+          </a:effectRef>
+          <a:fontRef idx="minor">
+            <a:schemeClr val="lt1"/>
+          </a:fontRef>
+        </p:style>
+        <p:txBody>
+          <a:bodyPr rtlCol="0" anchor="ctr"/>
+          <a:lstStyle/>
+          <a:p>
+            <a:pPr algn="ctr"/>
+            <a:endParaRPr kumimoji="1" lang="ja-JP" altLang="en-US"/>
+          </a:p>
+        </p:txBody>
+      </p:sp>
+      <p:sp>
+        <p:nvSpPr>
+          <p:cNvPr id="69" name="正方形/長方形 68"/>
+          <p:cNvSpPr/>
+          <p:nvPr/>
+        </p:nvSpPr>
+        <p:spPr>
+          <a:xfrm>
+            <a:off x="2571749" y="5676900"/>
+            <a:ext cx="5526000" cy="342900"/>
+          </a:xfrm>
+          <a:prstGeom prst="rect">
+            <a:avLst/>
+          </a:prstGeom>
+          <a:solidFill>
+            <a:srgbClr val="00B0F0"/>
+          </a:solidFill>
+          <a:ln>
+            <a:solidFill>
+              <a:srgbClr val="00B0F0"/>
+            </a:solidFill>
+          </a:ln>
+        </p:spPr>
+        <p:style>
+          <a:lnRef idx="2">
+            <a:schemeClr val="accent1">
+              <a:shade val="50000"/>
+            </a:schemeClr>
+          </a:lnRef>
+          <a:fillRef idx="1">
+            <a:schemeClr val="accent1"/>
+          </a:fillRef>
+          <a:effectRef idx="0">
+            <a:schemeClr val="accent1"/>
+          </a:effectRef>
+          <a:fontRef idx="minor">
+            <a:schemeClr val="lt1"/>
+          </a:fontRef>
+        </p:style>
+        <p:txBody>
+          <a:bodyPr rtlCol="0" anchor="ctr"/>
+          <a:lstStyle/>
+          <a:p>
+            <a:pPr algn="ctr"/>
+            <a:endParaRPr kumimoji="1" lang="ja-JP" altLang="en-US"/>
+          </a:p>
+        </p:txBody>
+      </p:sp>
+      <p:pic>
+        <p:nvPicPr>
+          <p:cNvPr id="71" name="図 70"/>
+          <p:cNvPicPr>
+            <a:picLocks noChangeAspect="1"/>
+          </p:cNvPicPr>
+          <p:nvPr/>
+        </p:nvPicPr>
+        <p:blipFill>
+          <a:blip r:embed="rId3" cstate="print">
+            <a:extLst>
+              <a:ext uri="{28A0092B-C50C-407E-A947-70E740481C1C}">
+                <a14:useLocalDpi xmlns:a14="http://schemas.microsoft.com/office/drawing/2010/main" val="0"/>
+              </a:ext>
+            </a:extLst>
+          </a:blip>
+          <a:stretch>
+            <a:fillRect/>
+          </a:stretch>
+        </p:blipFill>
+        <p:spPr>
+          <a:xfrm>
+            <a:off x="5218922" y="5722350"/>
+            <a:ext cx="252000" cy="252000"/>
+          </a:xfrm>
+          <a:prstGeom prst="rect">
+            <a:avLst/>
+          </a:prstGeom>
+        </p:spPr>
+      </p:pic>
+      <p:grpSp>
+        <p:nvGrpSpPr>
+          <p:cNvPr id="5" name="グループ化 4"/>
+          <p:cNvGrpSpPr/>
+          <p:nvPr/>
+        </p:nvGrpSpPr>
+        <p:grpSpPr>
+          <a:xfrm>
+            <a:off x="2925957" y="1735554"/>
+            <a:ext cx="4840197" cy="1440000"/>
+            <a:chOff x="2925957" y="1735554"/>
+            <a:chExt cx="4840197" cy="1440000"/>
+          </a:xfrm>
+        </p:grpSpPr>
+        <p:grpSp>
+          <p:nvGrpSpPr>
+            <p:cNvPr id="3" name="グループ化 2"/>
+            <p:cNvGrpSpPr/>
+            <p:nvPr/>
+          </p:nvGrpSpPr>
+          <p:grpSpPr>
+            <a:xfrm>
+              <a:off x="2925957" y="1735554"/>
+              <a:ext cx="1440000" cy="1440000"/>
+              <a:chOff x="2925957" y="1735554"/>
+              <a:chExt cx="1440000" cy="1440000"/>
+            </a:xfrm>
+          </p:grpSpPr>
+          <p:grpSp>
+            <p:nvGrpSpPr>
+              <p:cNvPr id="14" name="グループ化 13"/>
+              <p:cNvGrpSpPr/>
+              <p:nvPr/>
+            </p:nvGrpSpPr>
+            <p:grpSpPr>
+              <a:xfrm>
+                <a:off x="2925957" y="1735554"/>
+                <a:ext cx="1440000" cy="1440000"/>
+                <a:chOff x="5344925" y="1963002"/>
+                <a:chExt cx="1440000" cy="1440000"/>
+              </a:xfrm>
+            </p:grpSpPr>
+            <p:sp>
+              <p:nvSpPr>
+                <p:cNvPr id="7" name="正方形/長方形 6"/>
+                <p:cNvSpPr>
+                  <a:spLocks noChangeAspect="1"/>
+                </p:cNvSpPr>
+                <p:nvPr/>
+              </p:nvSpPr>
+              <p:spPr>
+                <a:xfrm>
+                  <a:off x="5344925" y="1963002"/>
+                  <a:ext cx="1440000" cy="1440000"/>
+                </a:xfrm>
+                <a:prstGeom prst="rect">
+                  <a:avLst/>
+                </a:prstGeom>
+                <a:solidFill>
+                  <a:schemeClr val="bg1"/>
+                </a:solidFill>
+                <a:effectLst>
+                  <a:outerShdw blurRad="50800" dist="12700" dir="5400000" algn="ctr" rotWithShape="0">
+                    <a:schemeClr val="tx1"/>
+                  </a:outerShdw>
+                </a:effectLst>
+              </p:spPr>
+              <p:style>
+                <a:lnRef idx="2">
+                  <a:schemeClr val="accent1">
+                    <a:shade val="50000"/>
+                  </a:schemeClr>
+                </a:lnRef>
+                <a:fillRef idx="1">
+                  <a:schemeClr val="accent1"/>
+                </a:fillRef>
+                <a:effectRef idx="0">
+                  <a:schemeClr val="accent1"/>
+                </a:effectRef>
+                <a:fontRef idx="minor">
+                  <a:schemeClr val="lt1"/>
+                </a:fontRef>
+              </p:style>
+              <p:txBody>
+                <a:bodyPr rtlCol="0" anchor="ctr"/>
+                <a:lstStyle/>
+                <a:p>
+                  <a:pPr algn="ctr"/>
+                  <a:endParaRPr kumimoji="1" lang="ja-JP" altLang="en-US" dirty="0"/>
+                </a:p>
+              </p:txBody>
+            </p:sp>
+            <p:sp>
+              <p:nvSpPr>
+                <p:cNvPr id="11" name="テキスト ボックス 10"/>
+                <p:cNvSpPr txBox="1"/>
+                <p:nvPr/>
+              </p:nvSpPr>
+              <p:spPr>
+                <a:xfrm>
+                  <a:off x="5590787" y="2872302"/>
+                  <a:ext cx="948273" cy="369332"/>
+                </a:xfrm>
+                <a:prstGeom prst="rect">
+                  <a:avLst/>
+                </a:prstGeom>
+                <a:noFill/>
+              </p:spPr>
+              <p:txBody>
+                <a:bodyPr wrap="none" rtlCol="0">
+                  <a:spAutoFit/>
+                </a:bodyPr>
+                <a:lstStyle/>
+                <a:p>
+                  <a:pPr algn="ctr"/>
+                  <a:r>
+                    <a:rPr kumimoji="1" lang="en-US" altLang="ja-JP" dirty="0" smtClean="0"/>
+                    <a:t>Option1</a:t>
+                  </a:r>
+                  <a:endParaRPr kumimoji="1" lang="ja-JP" altLang="en-US" dirty="0"/>
+                </a:p>
+              </p:txBody>
+            </p:sp>
+            <p:sp>
+              <p:nvSpPr>
+                <p:cNvPr id="10" name="テキスト ボックス 9"/>
+                <p:cNvSpPr txBox="1"/>
+                <p:nvPr/>
+              </p:nvSpPr>
+              <p:spPr>
+                <a:xfrm>
+                  <a:off x="5798663" y="2298868"/>
+                  <a:ext cx="532518" cy="369332"/>
+                </a:xfrm>
+                <a:prstGeom prst="rect">
+                  <a:avLst/>
+                </a:prstGeom>
+                <a:noFill/>
+              </p:spPr>
+              <p:txBody>
+                <a:bodyPr wrap="none" rtlCol="0">
+                  <a:spAutoFit/>
+                </a:bodyPr>
+                <a:lstStyle/>
+                <a:p>
+                  <a:pPr algn="ctr"/>
+                  <a:r>
+                    <a:rPr kumimoji="1" lang="en-US" altLang="ja-JP" dirty="0" smtClean="0"/>
+                    <a:t>×</a:t>
+                  </a:r>
+                  <a:r>
+                    <a:rPr lang="en-US" altLang="ja-JP" dirty="0" smtClean="0"/>
+                    <a:t>1</a:t>
+                  </a:r>
+                  <a:endParaRPr kumimoji="1" lang="en-US" altLang="ja-JP" dirty="0" smtClean="0"/>
+                </a:p>
+              </p:txBody>
+            </p:sp>
+          </p:grpSp>
+          <p:pic>
+            <p:nvPicPr>
+              <p:cNvPr id="2" name="図 1"/>
+              <p:cNvPicPr>
+                <a:picLocks noChangeAspect="1"/>
+              </p:cNvPicPr>
+              <p:nvPr/>
+            </p:nvPicPr>
+            <p:blipFill>
+              <a:blip r:embed="rId4">
+                <a:extLst>
+                  <a:ext uri="{28A0092B-C50C-407E-A947-70E740481C1C}">
+                    <a14:useLocalDpi xmlns:a14="http://schemas.microsoft.com/office/drawing/2010/main" val="0"/>
+                  </a:ext>
+                </a:extLst>
+              </a:blip>
+              <a:stretch>
+                <a:fillRect/>
+              </a:stretch>
+            </p:blipFill>
+            <p:spPr>
+              <a:xfrm>
+                <a:off x="2994504" y="2067269"/>
+                <a:ext cx="270000" cy="360000"/>
+              </a:xfrm>
+              <a:prstGeom prst="rect">
+                <a:avLst/>
+              </a:prstGeom>
+            </p:spPr>
+          </p:pic>
+          <p:pic>
+            <p:nvPicPr>
+              <p:cNvPr id="70" name="図 69"/>
+              <p:cNvPicPr>
+                <a:picLocks noChangeAspect="1"/>
+              </p:cNvPicPr>
+              <p:nvPr/>
+            </p:nvPicPr>
+            <p:blipFill>
+              <a:blip r:embed="rId4">
+                <a:extLst>
+                  <a:ext uri="{28A0092B-C50C-407E-A947-70E740481C1C}">
+                    <a14:useLocalDpi xmlns:a14="http://schemas.microsoft.com/office/drawing/2010/main" val="0"/>
+                  </a:ext>
+                </a:extLst>
+              </a:blip>
+              <a:stretch>
+                <a:fillRect/>
+              </a:stretch>
+            </p:blipFill>
+            <p:spPr>
+              <a:xfrm rot="10800000">
+                <a:off x="4030309" y="2067269"/>
+                <a:ext cx="270000" cy="360000"/>
+              </a:xfrm>
+              <a:prstGeom prst="rect">
+                <a:avLst/>
+              </a:prstGeom>
+            </p:spPr>
+          </p:pic>
+        </p:grpSp>
+        <p:grpSp>
+          <p:nvGrpSpPr>
+            <p:cNvPr id="80" name="グループ化 79"/>
+            <p:cNvGrpSpPr/>
+            <p:nvPr/>
+          </p:nvGrpSpPr>
+          <p:grpSpPr>
+            <a:xfrm>
+              <a:off x="4630225" y="1735554"/>
+              <a:ext cx="1440000" cy="1440000"/>
+              <a:chOff x="2925957" y="1735554"/>
+              <a:chExt cx="1440000" cy="1440000"/>
+            </a:xfrm>
+          </p:grpSpPr>
+          <p:grpSp>
+            <p:nvGrpSpPr>
+              <p:cNvPr id="81" name="グループ化 80"/>
+              <p:cNvGrpSpPr/>
+              <p:nvPr/>
+            </p:nvGrpSpPr>
+            <p:grpSpPr>
+              <a:xfrm>
+                <a:off x="2925957" y="1735554"/>
+                <a:ext cx="1440000" cy="1440000"/>
+                <a:chOff x="5344925" y="1963002"/>
+                <a:chExt cx="1440000" cy="1440000"/>
+              </a:xfrm>
+            </p:grpSpPr>
+            <p:sp>
+              <p:nvSpPr>
+                <p:cNvPr id="84" name="正方形/長方形 83"/>
+                <p:cNvSpPr>
+                  <a:spLocks noChangeAspect="1"/>
+                </p:cNvSpPr>
+                <p:nvPr/>
+              </p:nvSpPr>
+              <p:spPr>
+                <a:xfrm>
+                  <a:off x="5344925" y="1963002"/>
+                  <a:ext cx="1440000" cy="1440000"/>
+                </a:xfrm>
+                <a:prstGeom prst="rect">
+                  <a:avLst/>
+                </a:prstGeom>
+                <a:solidFill>
+                  <a:schemeClr val="bg1"/>
+                </a:solidFill>
+                <a:effectLst>
+                  <a:outerShdw blurRad="50800" dist="12700" dir="5400000" algn="ctr" rotWithShape="0">
+                    <a:schemeClr val="tx1"/>
+                  </a:outerShdw>
+                </a:effectLst>
+              </p:spPr>
+              <p:style>
+                <a:lnRef idx="2">
+                  <a:schemeClr val="accent1">
+                    <a:shade val="50000"/>
+                  </a:schemeClr>
+                </a:lnRef>
+                <a:fillRef idx="1">
+                  <a:schemeClr val="accent1"/>
+                </a:fillRef>
+                <a:effectRef idx="0">
+                  <a:schemeClr val="accent1"/>
+                </a:effectRef>
+                <a:fontRef idx="minor">
+                  <a:schemeClr val="lt1"/>
+                </a:fontRef>
+              </p:style>
+              <p:txBody>
+                <a:bodyPr rtlCol="0" anchor="ctr"/>
+                <a:lstStyle/>
+                <a:p>
+                  <a:pPr algn="ctr"/>
+                  <a:endParaRPr kumimoji="1" lang="ja-JP" altLang="en-US" dirty="0"/>
+                </a:p>
+              </p:txBody>
+            </p:sp>
+            <p:sp>
+              <p:nvSpPr>
+                <p:cNvPr id="85" name="テキスト ボックス 84"/>
+                <p:cNvSpPr txBox="1"/>
+                <p:nvPr/>
+              </p:nvSpPr>
+              <p:spPr>
+                <a:xfrm>
+                  <a:off x="5590787" y="2872302"/>
+                  <a:ext cx="948273" cy="369332"/>
+                </a:xfrm>
+                <a:prstGeom prst="rect">
+                  <a:avLst/>
+                </a:prstGeom>
+                <a:noFill/>
+              </p:spPr>
+              <p:txBody>
+                <a:bodyPr wrap="none" rtlCol="0">
+                  <a:spAutoFit/>
+                </a:bodyPr>
+                <a:lstStyle/>
+                <a:p>
+                  <a:pPr algn="ctr"/>
+                  <a:r>
+                    <a:rPr kumimoji="1" lang="en-US" altLang="ja-JP" dirty="0" smtClean="0"/>
+                    <a:t>Option2</a:t>
+                  </a:r>
+                  <a:endParaRPr kumimoji="1" lang="ja-JP" altLang="en-US" dirty="0"/>
+                </a:p>
+              </p:txBody>
+            </p:sp>
+            <p:sp>
+              <p:nvSpPr>
+                <p:cNvPr id="86" name="テキスト ボックス 85"/>
+                <p:cNvSpPr txBox="1"/>
+                <p:nvPr/>
+              </p:nvSpPr>
+              <p:spPr>
+                <a:xfrm>
+                  <a:off x="5798663" y="2298868"/>
+                  <a:ext cx="532518" cy="369332"/>
+                </a:xfrm>
+                <a:prstGeom prst="rect">
+                  <a:avLst/>
+                </a:prstGeom>
+                <a:noFill/>
+              </p:spPr>
+              <p:txBody>
+                <a:bodyPr wrap="none" rtlCol="0">
+                  <a:spAutoFit/>
+                </a:bodyPr>
+                <a:lstStyle/>
+                <a:p>
+                  <a:pPr algn="ctr"/>
+                  <a:r>
+                    <a:rPr kumimoji="1" lang="en-US" altLang="ja-JP" dirty="0" smtClean="0"/>
+                    <a:t>×0</a:t>
+                  </a:r>
+                  <a:endParaRPr kumimoji="1" lang="en-US" altLang="ja-JP" dirty="0" smtClean="0"/>
+                </a:p>
+              </p:txBody>
+            </p:sp>
+          </p:grpSp>
+          <p:pic>
+            <p:nvPicPr>
+              <p:cNvPr id="82" name="図 81"/>
+              <p:cNvPicPr>
+                <a:picLocks noChangeAspect="1"/>
+              </p:cNvPicPr>
+              <p:nvPr/>
+            </p:nvPicPr>
+            <p:blipFill>
+              <a:blip r:embed="rId4">
+                <a:extLst>
+                  <a:ext uri="{28A0092B-C50C-407E-A947-70E740481C1C}">
+                    <a14:useLocalDpi xmlns:a14="http://schemas.microsoft.com/office/drawing/2010/main" val="0"/>
+                  </a:ext>
+                </a:extLst>
+              </a:blip>
+              <a:stretch>
+                <a:fillRect/>
+              </a:stretch>
+            </p:blipFill>
+            <p:spPr>
+              <a:xfrm>
+                <a:off x="2994504" y="2067269"/>
+                <a:ext cx="270000" cy="360000"/>
+              </a:xfrm>
+              <a:prstGeom prst="rect">
+                <a:avLst/>
+              </a:prstGeom>
+            </p:spPr>
+          </p:pic>
+          <p:pic>
+            <p:nvPicPr>
+              <p:cNvPr id="83" name="図 82"/>
+              <p:cNvPicPr>
+                <a:picLocks noChangeAspect="1"/>
+              </p:cNvPicPr>
+              <p:nvPr/>
+            </p:nvPicPr>
+            <p:blipFill>
+              <a:blip r:embed="rId4">
+                <a:extLst>
+                  <a:ext uri="{28A0092B-C50C-407E-A947-70E740481C1C}">
+                    <a14:useLocalDpi xmlns:a14="http://schemas.microsoft.com/office/drawing/2010/main" val="0"/>
+                  </a:ext>
+                </a:extLst>
+              </a:blip>
+              <a:stretch>
+                <a:fillRect/>
+              </a:stretch>
+            </p:blipFill>
+            <p:spPr>
+              <a:xfrm rot="10800000">
+                <a:off x="4030309" y="2067269"/>
+                <a:ext cx="270000" cy="360000"/>
+              </a:xfrm>
+              <a:prstGeom prst="rect">
+                <a:avLst/>
+              </a:prstGeom>
+            </p:spPr>
+          </p:pic>
+        </p:grpSp>
+        <p:grpSp>
+          <p:nvGrpSpPr>
+            <p:cNvPr id="87" name="グループ化 86"/>
+            <p:cNvGrpSpPr/>
+            <p:nvPr/>
+          </p:nvGrpSpPr>
+          <p:grpSpPr>
+            <a:xfrm>
+              <a:off x="6326154" y="1735554"/>
+              <a:ext cx="1440000" cy="1440000"/>
+              <a:chOff x="2925957" y="1735554"/>
+              <a:chExt cx="1440000" cy="1440000"/>
+            </a:xfrm>
+          </p:grpSpPr>
+          <p:grpSp>
+            <p:nvGrpSpPr>
+              <p:cNvPr id="88" name="グループ化 87"/>
+              <p:cNvGrpSpPr/>
+              <p:nvPr/>
+            </p:nvGrpSpPr>
+            <p:grpSpPr>
+              <a:xfrm>
+                <a:off x="2925957" y="1735554"/>
+                <a:ext cx="1440000" cy="1440000"/>
+                <a:chOff x="5344925" y="1963002"/>
+                <a:chExt cx="1440000" cy="1440000"/>
+              </a:xfrm>
+            </p:grpSpPr>
+            <p:sp>
+              <p:nvSpPr>
+                <p:cNvPr id="91" name="正方形/長方形 90"/>
+                <p:cNvSpPr>
+                  <a:spLocks noChangeAspect="1"/>
+                </p:cNvSpPr>
+                <p:nvPr/>
+              </p:nvSpPr>
+              <p:spPr>
+                <a:xfrm>
+                  <a:off x="5344925" y="1963002"/>
+                  <a:ext cx="1440000" cy="1440000"/>
+                </a:xfrm>
+                <a:prstGeom prst="rect">
+                  <a:avLst/>
+                </a:prstGeom>
+                <a:solidFill>
+                  <a:schemeClr val="bg1"/>
+                </a:solidFill>
+                <a:effectLst>
+                  <a:outerShdw blurRad="50800" dist="12700" dir="5400000" algn="ctr" rotWithShape="0">
+                    <a:schemeClr val="tx1"/>
+                  </a:outerShdw>
+                </a:effectLst>
+              </p:spPr>
+              <p:style>
+                <a:lnRef idx="2">
+                  <a:schemeClr val="accent1">
+                    <a:shade val="50000"/>
+                  </a:schemeClr>
+                </a:lnRef>
+                <a:fillRef idx="1">
+                  <a:schemeClr val="accent1"/>
+                </a:fillRef>
+                <a:effectRef idx="0">
+                  <a:schemeClr val="accent1"/>
+                </a:effectRef>
+                <a:fontRef idx="minor">
+                  <a:schemeClr val="lt1"/>
+                </a:fontRef>
+              </p:style>
+              <p:txBody>
+                <a:bodyPr rtlCol="0" anchor="ctr"/>
+                <a:lstStyle/>
+                <a:p>
+                  <a:pPr algn="ctr"/>
+                  <a:endParaRPr kumimoji="1" lang="ja-JP" altLang="en-US" dirty="0"/>
+                </a:p>
+              </p:txBody>
+            </p:sp>
+            <p:sp>
+              <p:nvSpPr>
+                <p:cNvPr id="92" name="テキスト ボックス 91"/>
+                <p:cNvSpPr txBox="1"/>
+                <p:nvPr/>
+              </p:nvSpPr>
+              <p:spPr>
+                <a:xfrm>
+                  <a:off x="5590787" y="2872302"/>
+                  <a:ext cx="948273" cy="369332"/>
+                </a:xfrm>
+                <a:prstGeom prst="rect">
+                  <a:avLst/>
+                </a:prstGeom>
+                <a:noFill/>
+              </p:spPr>
+              <p:txBody>
+                <a:bodyPr wrap="none" rtlCol="0">
+                  <a:spAutoFit/>
+                </a:bodyPr>
+                <a:lstStyle/>
+                <a:p>
+                  <a:pPr algn="ctr"/>
+                  <a:r>
+                    <a:rPr kumimoji="1" lang="en-US" altLang="ja-JP" dirty="0" smtClean="0"/>
+                    <a:t>Option3</a:t>
+                  </a:r>
+                  <a:endParaRPr kumimoji="1" lang="ja-JP" altLang="en-US" dirty="0"/>
+                </a:p>
+              </p:txBody>
+            </p:sp>
+            <p:sp>
+              <p:nvSpPr>
+                <p:cNvPr id="93" name="テキスト ボックス 92"/>
+                <p:cNvSpPr txBox="1"/>
+                <p:nvPr/>
+              </p:nvSpPr>
+              <p:spPr>
+                <a:xfrm>
+                  <a:off x="5798663" y="2298868"/>
+                  <a:ext cx="532518" cy="369332"/>
+                </a:xfrm>
+                <a:prstGeom prst="rect">
+                  <a:avLst/>
+                </a:prstGeom>
+                <a:noFill/>
+              </p:spPr>
+              <p:txBody>
+                <a:bodyPr wrap="none" rtlCol="0">
+                  <a:spAutoFit/>
+                </a:bodyPr>
+                <a:lstStyle/>
+                <a:p>
+                  <a:pPr algn="ctr"/>
+                  <a:r>
+                    <a:rPr kumimoji="1" lang="en-US" altLang="ja-JP" dirty="0" smtClean="0"/>
+                    <a:t>×</a:t>
+                  </a:r>
+                  <a:r>
+                    <a:rPr lang="en-US" altLang="ja-JP" dirty="0"/>
+                    <a:t>0</a:t>
+                  </a:r>
+                  <a:endParaRPr kumimoji="1" lang="en-US" altLang="ja-JP" dirty="0" smtClean="0"/>
+                </a:p>
+              </p:txBody>
+            </p:sp>
+          </p:grpSp>
+          <p:pic>
+            <p:nvPicPr>
+              <p:cNvPr id="89" name="図 88"/>
+              <p:cNvPicPr>
+                <a:picLocks noChangeAspect="1"/>
+              </p:cNvPicPr>
+              <p:nvPr/>
+            </p:nvPicPr>
+            <p:blipFill>
+              <a:blip r:embed="rId4">
+                <a:extLst>
+                  <a:ext uri="{28A0092B-C50C-407E-A947-70E740481C1C}">
+                    <a14:useLocalDpi xmlns:a14="http://schemas.microsoft.com/office/drawing/2010/main" val="0"/>
+                  </a:ext>
+                </a:extLst>
+              </a:blip>
+              <a:stretch>
+                <a:fillRect/>
+              </a:stretch>
+            </p:blipFill>
+            <p:spPr>
+              <a:xfrm>
+                <a:off x="2994504" y="2067269"/>
+                <a:ext cx="270000" cy="360000"/>
+              </a:xfrm>
+              <a:prstGeom prst="rect">
+                <a:avLst/>
+              </a:prstGeom>
+            </p:spPr>
+          </p:pic>
+          <p:pic>
+            <p:nvPicPr>
+              <p:cNvPr id="90" name="図 89"/>
+              <p:cNvPicPr>
+                <a:picLocks noChangeAspect="1"/>
+              </p:cNvPicPr>
+              <p:nvPr/>
+            </p:nvPicPr>
+            <p:blipFill>
+              <a:blip r:embed="rId4">
+                <a:extLst>
+                  <a:ext uri="{28A0092B-C50C-407E-A947-70E740481C1C}">
+                    <a14:useLocalDpi xmlns:a14="http://schemas.microsoft.com/office/drawing/2010/main" val="0"/>
+                  </a:ext>
+                </a:extLst>
+              </a:blip>
+              <a:stretch>
+                <a:fillRect/>
+              </a:stretch>
+            </p:blipFill>
+            <p:spPr>
+              <a:xfrm rot="10800000">
+                <a:off x="4030309" y="2067269"/>
+                <a:ext cx="270000" cy="360000"/>
+              </a:xfrm>
+              <a:prstGeom prst="rect">
+                <a:avLst/>
+              </a:prstGeom>
+            </p:spPr>
+          </p:pic>
+        </p:grpSp>
+      </p:grpSp>
+      <p:grpSp>
+        <p:nvGrpSpPr>
+          <p:cNvPr id="94" name="グループ化 93"/>
+          <p:cNvGrpSpPr/>
+          <p:nvPr/>
+        </p:nvGrpSpPr>
+        <p:grpSpPr>
+          <a:xfrm>
+            <a:off x="2925957" y="3432200"/>
+            <a:ext cx="4840197" cy="1440000"/>
+            <a:chOff x="2925957" y="1735554"/>
+            <a:chExt cx="4840197" cy="1440000"/>
+          </a:xfrm>
+        </p:grpSpPr>
+        <p:grpSp>
+          <p:nvGrpSpPr>
+            <p:cNvPr id="95" name="グループ化 94"/>
+            <p:cNvGrpSpPr/>
+            <p:nvPr/>
+          </p:nvGrpSpPr>
+          <p:grpSpPr>
+            <a:xfrm>
+              <a:off x="2925957" y="1735554"/>
+              <a:ext cx="1440000" cy="1440000"/>
+              <a:chOff x="2925957" y="1735554"/>
+              <a:chExt cx="1440000" cy="1440000"/>
+            </a:xfrm>
+          </p:grpSpPr>
+          <p:grpSp>
+            <p:nvGrpSpPr>
+              <p:cNvPr id="110" name="グループ化 109"/>
+              <p:cNvGrpSpPr/>
+              <p:nvPr/>
+            </p:nvGrpSpPr>
+            <p:grpSpPr>
+              <a:xfrm>
+                <a:off x="2925957" y="1735554"/>
+                <a:ext cx="1440000" cy="1440000"/>
+                <a:chOff x="5344925" y="1963002"/>
+                <a:chExt cx="1440000" cy="1440000"/>
+              </a:xfrm>
+            </p:grpSpPr>
+            <p:sp>
+              <p:nvSpPr>
+                <p:cNvPr id="113" name="正方形/長方形 112"/>
+                <p:cNvSpPr>
+                  <a:spLocks noChangeAspect="1"/>
+                </p:cNvSpPr>
+                <p:nvPr/>
+              </p:nvSpPr>
+              <p:spPr>
+                <a:xfrm>
+                  <a:off x="5344925" y="1963002"/>
+                  <a:ext cx="1440000" cy="1440000"/>
+                </a:xfrm>
+                <a:prstGeom prst="rect">
+                  <a:avLst/>
+                </a:prstGeom>
+                <a:solidFill>
+                  <a:schemeClr val="bg1"/>
+                </a:solidFill>
+                <a:effectLst>
+                  <a:outerShdw blurRad="50800" dist="12700" dir="5400000" algn="ctr" rotWithShape="0">
+                    <a:schemeClr val="tx1"/>
+                  </a:outerShdw>
+                </a:effectLst>
+              </p:spPr>
+              <p:style>
+                <a:lnRef idx="2">
+                  <a:schemeClr val="accent1">
+                    <a:shade val="50000"/>
+                  </a:schemeClr>
+                </a:lnRef>
+                <a:fillRef idx="1">
+                  <a:schemeClr val="accent1"/>
+                </a:fillRef>
+                <a:effectRef idx="0">
+                  <a:schemeClr val="accent1"/>
+                </a:effectRef>
+                <a:fontRef idx="minor">
+                  <a:schemeClr val="lt1"/>
+                </a:fontRef>
+              </p:style>
+              <p:txBody>
+                <a:bodyPr rtlCol="0" anchor="ctr"/>
+                <a:lstStyle/>
+                <a:p>
+                  <a:pPr algn="ctr"/>
+                  <a:endParaRPr kumimoji="1" lang="ja-JP" altLang="en-US" dirty="0"/>
+                </a:p>
+              </p:txBody>
+            </p:sp>
+            <p:sp>
+              <p:nvSpPr>
+                <p:cNvPr id="114" name="テキスト ボックス 113"/>
+                <p:cNvSpPr txBox="1"/>
+                <p:nvPr/>
+              </p:nvSpPr>
+              <p:spPr>
+                <a:xfrm>
+                  <a:off x="5590787" y="2872302"/>
+                  <a:ext cx="948273" cy="369332"/>
+                </a:xfrm>
+                <a:prstGeom prst="rect">
+                  <a:avLst/>
+                </a:prstGeom>
+                <a:noFill/>
+              </p:spPr>
+              <p:txBody>
+                <a:bodyPr wrap="none" rtlCol="0">
+                  <a:spAutoFit/>
+                </a:bodyPr>
+                <a:lstStyle/>
+                <a:p>
+                  <a:pPr algn="ctr"/>
+                  <a:r>
+                    <a:rPr kumimoji="1" lang="en-US" altLang="ja-JP" dirty="0" smtClean="0"/>
+                    <a:t>Option4</a:t>
+                  </a:r>
+                  <a:endParaRPr kumimoji="1" lang="ja-JP" altLang="en-US" dirty="0"/>
+                </a:p>
+              </p:txBody>
+            </p:sp>
+            <p:sp>
+              <p:nvSpPr>
+                <p:cNvPr id="115" name="テキスト ボックス 114"/>
+                <p:cNvSpPr txBox="1"/>
+                <p:nvPr/>
+              </p:nvSpPr>
+              <p:spPr>
+                <a:xfrm>
+                  <a:off x="5740153" y="2298868"/>
+                  <a:ext cx="649538" cy="369332"/>
+                </a:xfrm>
+                <a:prstGeom prst="rect">
+                  <a:avLst/>
+                </a:prstGeom>
+                <a:noFill/>
+              </p:spPr>
+              <p:txBody>
+                <a:bodyPr wrap="none" rtlCol="0">
+                  <a:spAutoFit/>
+                </a:bodyPr>
+                <a:lstStyle/>
+                <a:p>
+                  <a:pPr algn="ctr"/>
+                  <a:r>
+                    <a:rPr kumimoji="1" lang="en-US" altLang="ja-JP" dirty="0" smtClean="0"/>
+                    <a:t>×</a:t>
+                  </a:r>
+                  <a:r>
+                    <a:rPr lang="en-US" altLang="ja-JP" dirty="0" smtClean="0"/>
+                    <a:t>10</a:t>
+                  </a:r>
+                  <a:endParaRPr kumimoji="1" lang="en-US" altLang="ja-JP" dirty="0" smtClean="0"/>
+                </a:p>
+              </p:txBody>
+            </p:sp>
+          </p:grpSp>
+          <p:pic>
+            <p:nvPicPr>
+              <p:cNvPr id="111" name="図 110"/>
+              <p:cNvPicPr>
+                <a:picLocks noChangeAspect="1"/>
+              </p:cNvPicPr>
+              <p:nvPr/>
+            </p:nvPicPr>
+            <p:blipFill>
+              <a:blip r:embed="rId4">
+                <a:extLst>
+                  <a:ext uri="{28A0092B-C50C-407E-A947-70E740481C1C}">
+                    <a14:useLocalDpi xmlns:a14="http://schemas.microsoft.com/office/drawing/2010/main" val="0"/>
+                  </a:ext>
+                </a:extLst>
+              </a:blip>
+              <a:stretch>
+                <a:fillRect/>
+              </a:stretch>
+            </p:blipFill>
+            <p:spPr>
+              <a:xfrm>
+                <a:off x="2994504" y="2067269"/>
+                <a:ext cx="270000" cy="360000"/>
+              </a:xfrm>
+              <a:prstGeom prst="rect">
+                <a:avLst/>
+              </a:prstGeom>
+            </p:spPr>
+          </p:pic>
+          <p:pic>
+            <p:nvPicPr>
+              <p:cNvPr id="112" name="図 111"/>
+              <p:cNvPicPr>
+                <a:picLocks noChangeAspect="1"/>
+              </p:cNvPicPr>
+              <p:nvPr/>
+            </p:nvPicPr>
+            <p:blipFill>
+              <a:blip r:embed="rId4">
+                <a:extLst>
+                  <a:ext uri="{28A0092B-C50C-407E-A947-70E740481C1C}">
+                    <a14:useLocalDpi xmlns:a14="http://schemas.microsoft.com/office/drawing/2010/main" val="0"/>
+                  </a:ext>
+                </a:extLst>
+              </a:blip>
+              <a:stretch>
+                <a:fillRect/>
+              </a:stretch>
+            </p:blipFill>
+            <p:spPr>
+              <a:xfrm rot="10800000">
+                <a:off x="4030309" y="2067269"/>
+                <a:ext cx="270000" cy="360000"/>
+              </a:xfrm>
+              <a:prstGeom prst="rect">
+                <a:avLst/>
+              </a:prstGeom>
+            </p:spPr>
+          </p:pic>
+        </p:grpSp>
+        <p:grpSp>
+          <p:nvGrpSpPr>
+            <p:cNvPr id="96" name="グループ化 95"/>
+            <p:cNvGrpSpPr/>
+            <p:nvPr/>
+          </p:nvGrpSpPr>
+          <p:grpSpPr>
+            <a:xfrm>
+              <a:off x="4630225" y="1735554"/>
+              <a:ext cx="1440000" cy="1440000"/>
+              <a:chOff x="2925957" y="1735554"/>
+              <a:chExt cx="1440000" cy="1440000"/>
+            </a:xfrm>
+          </p:grpSpPr>
+          <p:grpSp>
+            <p:nvGrpSpPr>
+              <p:cNvPr id="104" name="グループ化 103"/>
+              <p:cNvGrpSpPr/>
+              <p:nvPr/>
+            </p:nvGrpSpPr>
+            <p:grpSpPr>
+              <a:xfrm>
+                <a:off x="2925957" y="1735554"/>
+                <a:ext cx="1440000" cy="1440000"/>
+                <a:chOff x="5344925" y="1963002"/>
+                <a:chExt cx="1440000" cy="1440000"/>
+              </a:xfrm>
+            </p:grpSpPr>
+            <p:sp>
+              <p:nvSpPr>
+                <p:cNvPr id="107" name="正方形/長方形 106"/>
+                <p:cNvSpPr>
+                  <a:spLocks noChangeAspect="1"/>
+                </p:cNvSpPr>
+                <p:nvPr/>
+              </p:nvSpPr>
+              <p:spPr>
+                <a:xfrm>
+                  <a:off x="5344925" y="1963002"/>
+                  <a:ext cx="1440000" cy="1440000"/>
+                </a:xfrm>
+                <a:prstGeom prst="rect">
+                  <a:avLst/>
+                </a:prstGeom>
+                <a:solidFill>
+                  <a:schemeClr val="bg1"/>
+                </a:solidFill>
+                <a:effectLst>
+                  <a:outerShdw blurRad="50800" dist="12700" dir="5400000" algn="ctr" rotWithShape="0">
+                    <a:schemeClr val="tx1"/>
+                  </a:outerShdw>
+                </a:effectLst>
+              </p:spPr>
+              <p:style>
+                <a:lnRef idx="2">
+                  <a:schemeClr val="accent1">
+                    <a:shade val="50000"/>
+                  </a:schemeClr>
+                </a:lnRef>
+                <a:fillRef idx="1">
+                  <a:schemeClr val="accent1"/>
+                </a:fillRef>
+                <a:effectRef idx="0">
+                  <a:schemeClr val="accent1"/>
+                </a:effectRef>
+                <a:fontRef idx="minor">
+                  <a:schemeClr val="lt1"/>
+                </a:fontRef>
+              </p:style>
+              <p:txBody>
+                <a:bodyPr rtlCol="0" anchor="ctr"/>
+                <a:lstStyle/>
+                <a:p>
+                  <a:pPr algn="ctr"/>
+                  <a:endParaRPr kumimoji="1" lang="ja-JP" altLang="en-US" dirty="0"/>
+                </a:p>
+              </p:txBody>
+            </p:sp>
+            <p:sp>
+              <p:nvSpPr>
+                <p:cNvPr id="108" name="テキスト ボックス 107"/>
+                <p:cNvSpPr txBox="1"/>
+                <p:nvPr/>
+              </p:nvSpPr>
+              <p:spPr>
+                <a:xfrm>
+                  <a:off x="5590787" y="2872302"/>
+                  <a:ext cx="948273" cy="369332"/>
+                </a:xfrm>
+                <a:prstGeom prst="rect">
+                  <a:avLst/>
+                </a:prstGeom>
+                <a:noFill/>
+              </p:spPr>
+              <p:txBody>
+                <a:bodyPr wrap="none" rtlCol="0">
+                  <a:spAutoFit/>
+                </a:bodyPr>
+                <a:lstStyle/>
+                <a:p>
+                  <a:pPr algn="ctr"/>
+                  <a:r>
+                    <a:rPr kumimoji="1" lang="en-US" altLang="ja-JP" dirty="0" smtClean="0"/>
+                    <a:t>Option5</a:t>
+                  </a:r>
+                  <a:endParaRPr kumimoji="1" lang="ja-JP" altLang="en-US" dirty="0"/>
+                </a:p>
+              </p:txBody>
+            </p:sp>
+            <p:sp>
+              <p:nvSpPr>
+                <p:cNvPr id="109" name="テキスト ボックス 108"/>
+                <p:cNvSpPr txBox="1"/>
+                <p:nvPr/>
+              </p:nvSpPr>
+              <p:spPr>
+                <a:xfrm>
+                  <a:off x="5681644" y="2298868"/>
+                  <a:ext cx="766557" cy="369332"/>
+                </a:xfrm>
+                <a:prstGeom prst="rect">
+                  <a:avLst/>
+                </a:prstGeom>
+                <a:noFill/>
+              </p:spPr>
+              <p:txBody>
+                <a:bodyPr wrap="none" rtlCol="0">
+                  <a:spAutoFit/>
+                </a:bodyPr>
+                <a:lstStyle/>
+                <a:p>
+                  <a:pPr algn="ctr"/>
+                  <a:r>
+                    <a:rPr kumimoji="1" lang="en-US" altLang="ja-JP" dirty="0" smtClean="0"/>
+                    <a:t>×100</a:t>
+                  </a:r>
+                  <a:endParaRPr kumimoji="1" lang="en-US" altLang="ja-JP" dirty="0" smtClean="0"/>
+                </a:p>
+              </p:txBody>
+            </p:sp>
+          </p:grpSp>
+          <p:pic>
+            <p:nvPicPr>
+              <p:cNvPr id="105" name="図 104"/>
+              <p:cNvPicPr>
+                <a:picLocks noChangeAspect="1"/>
+              </p:cNvPicPr>
+              <p:nvPr/>
+            </p:nvPicPr>
+            <p:blipFill>
+              <a:blip r:embed="rId4">
+                <a:extLst>
+                  <a:ext uri="{28A0092B-C50C-407E-A947-70E740481C1C}">
+                    <a14:useLocalDpi xmlns:a14="http://schemas.microsoft.com/office/drawing/2010/main" val="0"/>
+                  </a:ext>
+                </a:extLst>
+              </a:blip>
+              <a:stretch>
+                <a:fillRect/>
+              </a:stretch>
+            </p:blipFill>
+            <p:spPr>
+              <a:xfrm>
+                <a:off x="2994504" y="2067269"/>
+                <a:ext cx="270000" cy="360000"/>
+              </a:xfrm>
+              <a:prstGeom prst="rect">
+                <a:avLst/>
+              </a:prstGeom>
+            </p:spPr>
+          </p:pic>
+          <p:pic>
+            <p:nvPicPr>
+              <p:cNvPr id="106" name="図 105"/>
+              <p:cNvPicPr>
+                <a:picLocks noChangeAspect="1"/>
+              </p:cNvPicPr>
+              <p:nvPr/>
+            </p:nvPicPr>
+            <p:blipFill>
+              <a:blip r:embed="rId4">
+                <a:extLst>
+                  <a:ext uri="{28A0092B-C50C-407E-A947-70E740481C1C}">
+                    <a14:useLocalDpi xmlns:a14="http://schemas.microsoft.com/office/drawing/2010/main" val="0"/>
+                  </a:ext>
+                </a:extLst>
+              </a:blip>
+              <a:stretch>
+                <a:fillRect/>
+              </a:stretch>
+            </p:blipFill>
+            <p:spPr>
+              <a:xfrm rot="10800000">
+                <a:off x="4030309" y="2067269"/>
+                <a:ext cx="270000" cy="360000"/>
+              </a:xfrm>
+              <a:prstGeom prst="rect">
+                <a:avLst/>
+              </a:prstGeom>
+            </p:spPr>
+          </p:pic>
+        </p:grpSp>
+        <p:grpSp>
+          <p:nvGrpSpPr>
+            <p:cNvPr id="97" name="グループ化 96"/>
+            <p:cNvGrpSpPr/>
+            <p:nvPr/>
+          </p:nvGrpSpPr>
+          <p:grpSpPr>
+            <a:xfrm>
+              <a:off x="6326154" y="1735554"/>
+              <a:ext cx="1440000" cy="1440000"/>
+              <a:chOff x="2925957" y="1735554"/>
+              <a:chExt cx="1440000" cy="1440000"/>
+            </a:xfrm>
+          </p:grpSpPr>
+          <p:grpSp>
+            <p:nvGrpSpPr>
+              <p:cNvPr id="98" name="グループ化 97"/>
+              <p:cNvGrpSpPr/>
+              <p:nvPr/>
+            </p:nvGrpSpPr>
+            <p:grpSpPr>
+              <a:xfrm>
+                <a:off x="2925957" y="1735554"/>
+                <a:ext cx="1440000" cy="1440000"/>
+                <a:chOff x="5344925" y="1963002"/>
+                <a:chExt cx="1440000" cy="1440000"/>
+              </a:xfrm>
+            </p:grpSpPr>
+            <p:sp>
+              <p:nvSpPr>
+                <p:cNvPr id="101" name="正方形/長方形 100"/>
+                <p:cNvSpPr>
+                  <a:spLocks noChangeAspect="1"/>
+                </p:cNvSpPr>
+                <p:nvPr/>
+              </p:nvSpPr>
+              <p:spPr>
+                <a:xfrm>
+                  <a:off x="5344925" y="1963002"/>
+                  <a:ext cx="1440000" cy="1440000"/>
+                </a:xfrm>
+                <a:prstGeom prst="rect">
+                  <a:avLst/>
+                </a:prstGeom>
+                <a:solidFill>
+                  <a:schemeClr val="bg1"/>
+                </a:solidFill>
+                <a:effectLst>
+                  <a:outerShdw blurRad="50800" dist="12700" dir="5400000" algn="ctr" rotWithShape="0">
+                    <a:schemeClr val="tx1"/>
+                  </a:outerShdw>
+                </a:effectLst>
+              </p:spPr>
+              <p:style>
+                <a:lnRef idx="2">
+                  <a:schemeClr val="accent1">
+                    <a:shade val="50000"/>
+                  </a:schemeClr>
+                </a:lnRef>
+                <a:fillRef idx="1">
+                  <a:schemeClr val="accent1"/>
+                </a:fillRef>
+                <a:effectRef idx="0">
+                  <a:schemeClr val="accent1"/>
+                </a:effectRef>
+                <a:fontRef idx="minor">
+                  <a:schemeClr val="lt1"/>
+                </a:fontRef>
+              </p:style>
+              <p:txBody>
+                <a:bodyPr rtlCol="0" anchor="ctr"/>
+                <a:lstStyle/>
+                <a:p>
+                  <a:pPr algn="ctr"/>
+                  <a:endParaRPr kumimoji="1" lang="ja-JP" altLang="en-US" dirty="0"/>
+                </a:p>
+              </p:txBody>
+            </p:sp>
+            <p:sp>
+              <p:nvSpPr>
+                <p:cNvPr id="102" name="テキスト ボックス 101"/>
+                <p:cNvSpPr txBox="1"/>
+                <p:nvPr/>
+              </p:nvSpPr>
+              <p:spPr>
+                <a:xfrm>
+                  <a:off x="5387207" y="2872302"/>
+                  <a:ext cx="1355436" cy="369332"/>
+                </a:xfrm>
+                <a:prstGeom prst="rect">
+                  <a:avLst/>
+                </a:prstGeom>
+                <a:noFill/>
+              </p:spPr>
+              <p:txBody>
+                <a:bodyPr wrap="none" rtlCol="0">
+                  <a:spAutoFit/>
+                </a:bodyPr>
+                <a:lstStyle/>
+                <a:p>
+                  <a:pPr algn="ctr"/>
+                  <a:r>
+                    <a:rPr kumimoji="1" lang="en-US" altLang="ja-JP" dirty="0" smtClean="0"/>
+                    <a:t>Option100…</a:t>
+                  </a:r>
+                  <a:endParaRPr kumimoji="1" lang="ja-JP" altLang="en-US" dirty="0"/>
+                </a:p>
+              </p:txBody>
+            </p:sp>
+            <p:sp>
+              <p:nvSpPr>
+                <p:cNvPr id="103" name="テキスト ボックス 102"/>
+                <p:cNvSpPr txBox="1"/>
+                <p:nvPr/>
+              </p:nvSpPr>
+              <p:spPr>
+                <a:xfrm>
+                  <a:off x="5623135" y="2298868"/>
+                  <a:ext cx="883575" cy="369332"/>
+                </a:xfrm>
+                <a:prstGeom prst="rect">
+                  <a:avLst/>
+                </a:prstGeom>
+                <a:noFill/>
+              </p:spPr>
+              <p:txBody>
+                <a:bodyPr wrap="none" rtlCol="0">
+                  <a:spAutoFit/>
+                </a:bodyPr>
+                <a:lstStyle/>
+                <a:p>
+                  <a:pPr algn="ctr"/>
+                  <a:r>
+                    <a:rPr kumimoji="1" lang="en-US" altLang="ja-JP" dirty="0" smtClean="0"/>
+                    <a:t>×100</a:t>
+                  </a:r>
+                  <a:r>
+                    <a:rPr lang="en-US" altLang="ja-JP" dirty="0" smtClean="0"/>
+                    <a:t>0</a:t>
+                  </a:r>
+                  <a:endParaRPr kumimoji="1" lang="en-US" altLang="ja-JP" dirty="0" smtClean="0"/>
+                </a:p>
+              </p:txBody>
+            </p:sp>
+          </p:grpSp>
+          <p:pic>
+            <p:nvPicPr>
+              <p:cNvPr id="99" name="図 98"/>
+              <p:cNvPicPr>
+                <a:picLocks noChangeAspect="1"/>
+              </p:cNvPicPr>
+              <p:nvPr/>
+            </p:nvPicPr>
+            <p:blipFill>
+              <a:blip r:embed="rId4">
+                <a:extLst>
+                  <a:ext uri="{28A0092B-C50C-407E-A947-70E740481C1C}">
+                    <a14:useLocalDpi xmlns:a14="http://schemas.microsoft.com/office/drawing/2010/main" val="0"/>
+                  </a:ext>
+                </a:extLst>
+              </a:blip>
+              <a:stretch>
+                <a:fillRect/>
+              </a:stretch>
+            </p:blipFill>
+            <p:spPr>
+              <a:xfrm>
+                <a:off x="2994504" y="2067269"/>
+                <a:ext cx="270000" cy="360000"/>
+              </a:xfrm>
+              <a:prstGeom prst="rect">
+                <a:avLst/>
+              </a:prstGeom>
+            </p:spPr>
+          </p:pic>
+          <p:pic>
+            <p:nvPicPr>
+              <p:cNvPr id="100" name="図 99"/>
+              <p:cNvPicPr>
+                <a:picLocks noChangeAspect="1"/>
+              </p:cNvPicPr>
+              <p:nvPr/>
+            </p:nvPicPr>
+            <p:blipFill>
+              <a:blip r:embed="rId4">
+                <a:extLst>
+                  <a:ext uri="{28A0092B-C50C-407E-A947-70E740481C1C}">
+                    <a14:useLocalDpi xmlns:a14="http://schemas.microsoft.com/office/drawing/2010/main" val="0"/>
+                  </a:ext>
+                </a:extLst>
+              </a:blip>
+              <a:stretch>
+                <a:fillRect/>
+              </a:stretch>
+            </p:blipFill>
+            <p:spPr>
+              <a:xfrm rot="10800000">
+                <a:off x="4030309" y="2067269"/>
+                <a:ext cx="270000" cy="360000"/>
+              </a:xfrm>
+              <a:prstGeom prst="rect">
+                <a:avLst/>
+              </a:prstGeom>
+            </p:spPr>
+          </p:pic>
+        </p:grpSp>
+      </p:grpSp>
+    </p:spTree>
+    <p:extLst>
+      <p:ext uri="{BB962C8B-B14F-4D97-AF65-F5344CB8AC3E}">
+        <p14:creationId xmlns:p14="http://schemas.microsoft.com/office/powerpoint/2010/main" val="1389814001"/>
+      </p:ext>
+    </p:extLst>
+  </p:cSld>
+  <p:clrMapOvr>
+    <a:masterClrMapping/>
+  </p:clrMapOvr>
+</p:sld>
+</file>
+
 <file path=ppt/theme/theme1.xml><?xml version="1.0" encoding="utf-8"?>
 <a:theme xmlns:a="http://schemas.openxmlformats.org/drawingml/2006/main" name="Office テーマ">
   <a:themeElements>
